--- a/slides/lec06_datacenter.pptx
+++ b/slides/lec06_datacenter.pptx
@@ -5,7 +5,7 @@
     <p:sldMasterId id="2147483660" r:id="rId1"/>
   </p:sldMasterIdLst>
   <p:notesMasterIdLst>
-    <p:notesMasterId r:id="rId13"/>
+    <p:notesMasterId r:id="rId14"/>
   </p:notesMasterIdLst>
   <p:sldIdLst>
     <p:sldId id="256" r:id="rId2"/>
@@ -16,9 +16,10 @@
     <p:sldId id="408" r:id="rId7"/>
     <p:sldId id="413" r:id="rId8"/>
     <p:sldId id="414" r:id="rId9"/>
-    <p:sldId id="415" r:id="rId10"/>
-    <p:sldId id="416" r:id="rId11"/>
-    <p:sldId id="319" r:id="rId12"/>
+    <p:sldId id="417" r:id="rId10"/>
+    <p:sldId id="415" r:id="rId11"/>
+    <p:sldId id="416" r:id="rId12"/>
+    <p:sldId id="319" r:id="rId13"/>
   </p:sldIdLst>
   <p:sldSz cx="9144000" cy="6858000" type="screen4x3"/>
   <p:notesSz cx="6858000" cy="9144000"/>
@@ -221,7 +222,7 @@
           <a:p>
             <a:fld id="{26C21ED3-A5B8-0F43-BEC8-3BB1C1D7A737}" type="datetimeFigureOut">
               <a:rPr lang="en-US" smtClean="0"/>
-              <a:t>9/27/17</a:t>
+              <a:t>9/24/19</a:t>
             </a:fld>
             <a:endParaRPr lang="en-US"/>
           </a:p>
@@ -720,7 +721,7 @@
           <a:p>
             <a:fld id="{ECF56177-CEF1-0141-836F-3867E7E9C1D8}" type="datetime1">
               <a:rPr lang="en-US" smtClean="0"/>
-              <a:t>9/27/17</a:t>
+              <a:t>9/24/19</a:t>
             </a:fld>
             <a:endParaRPr lang="en-US"/>
           </a:p>
@@ -890,7 +891,7 @@
           <a:p>
             <a:fld id="{4CDC8FB9-92E9-4C40-A76A-6D1CDAB665BB}" type="datetime1">
               <a:rPr lang="en-US" smtClean="0"/>
-              <a:t>9/27/17</a:t>
+              <a:t>9/24/19</a:t>
             </a:fld>
             <a:endParaRPr lang="en-US"/>
           </a:p>
@@ -1070,7 +1071,7 @@
           <a:p>
             <a:fld id="{F8F03505-CCE7-CA4C-B4F1-35193B6B5156}" type="datetime1">
               <a:rPr lang="en-US" smtClean="0"/>
-              <a:t>9/27/17</a:t>
+              <a:t>9/24/19</a:t>
             </a:fld>
             <a:endParaRPr lang="en-US"/>
           </a:p>
@@ -1240,7 +1241,7 @@
           <a:p>
             <a:fld id="{A02E57FB-CD21-0942-A714-152EC4568E9D}" type="datetime1">
               <a:rPr lang="en-US" smtClean="0"/>
-              <a:t>9/27/17</a:t>
+              <a:t>9/24/19</a:t>
             </a:fld>
             <a:endParaRPr lang="en-US"/>
           </a:p>
@@ -1484,7 +1485,7 @@
           <a:p>
             <a:fld id="{77AD2927-A654-D74D-A6C0-BF96EF7229C7}" type="datetime1">
               <a:rPr lang="en-US" smtClean="0"/>
-              <a:t>9/27/17</a:t>
+              <a:t>9/24/19</a:t>
             </a:fld>
             <a:endParaRPr lang="en-US"/>
           </a:p>
@@ -1716,7 +1717,7 @@
           <a:p>
             <a:fld id="{37B554B6-7788-2348-9289-7CAD598A9555}" type="datetime1">
               <a:rPr lang="en-US" smtClean="0"/>
-              <a:t>9/27/17</a:t>
+              <a:t>9/24/19</a:t>
             </a:fld>
             <a:endParaRPr lang="en-US"/>
           </a:p>
@@ -2083,7 +2084,7 @@
           <a:p>
             <a:fld id="{CCE331CB-FA13-3243-AD80-8733E43C7C1F}" type="datetime1">
               <a:rPr lang="en-US" smtClean="0"/>
-              <a:t>9/27/17</a:t>
+              <a:t>9/24/19</a:t>
             </a:fld>
             <a:endParaRPr lang="en-US"/>
           </a:p>
@@ -2201,7 +2202,7 @@
           <a:p>
             <a:fld id="{C0172A9A-4F1F-854A-9B1E-96AFCC4A9B03}" type="datetime1">
               <a:rPr lang="en-US" smtClean="0"/>
-              <a:t>9/27/17</a:t>
+              <a:t>9/24/19</a:t>
             </a:fld>
             <a:endParaRPr lang="en-US"/>
           </a:p>
@@ -2296,7 +2297,7 @@
           <a:p>
             <a:fld id="{2D504595-1B90-0F4A-A1D0-6609637EC4CD}" type="datetime1">
               <a:rPr lang="en-US" smtClean="0"/>
-              <a:t>9/27/17</a:t>
+              <a:t>9/24/19</a:t>
             </a:fld>
             <a:endParaRPr lang="en-US"/>
           </a:p>
@@ -2573,7 +2574,7 @@
           <a:p>
             <a:fld id="{F48EB26F-796F-BD4B-9EC5-A039FE9C305B}" type="datetime1">
               <a:rPr lang="en-US" smtClean="0"/>
-              <a:t>9/27/17</a:t>
+              <a:t>9/24/19</a:t>
             </a:fld>
             <a:endParaRPr lang="en-US"/>
           </a:p>
@@ -2830,7 +2831,7 @@
           <a:p>
             <a:fld id="{CDC2C28A-C946-0143-970B-84B8FE5654F4}" type="datetime1">
               <a:rPr lang="en-US" smtClean="0"/>
-              <a:t>9/27/17</a:t>
+              <a:t>9/24/19</a:t>
             </a:fld>
             <a:endParaRPr lang="en-US"/>
           </a:p>
@@ -3043,7 +3044,7 @@
           <a:p>
             <a:fld id="{A831EFE4-169C-9248-BC74-4797ECDAE130}" type="datetime1">
               <a:rPr lang="en-US" smtClean="0"/>
-              <a:t>9/27/17</a:t>
+              <a:t>9/24/19</a:t>
             </a:fld>
             <a:endParaRPr lang="en-US"/>
           </a:p>
@@ -3849,6 +3850,156 @@
             <p:ph type="title"/>
           </p:nvPr>
         </p:nvSpPr>
+        <p:spPr>
+          <a:xfrm>
+            <a:off x="628650" y="990600"/>
+            <a:ext cx="7886700" cy="2316163"/>
+          </a:xfrm>
+        </p:spPr>
+        <p:txBody>
+          <a:bodyPr/>
+          <a:lstStyle/>
+          <a:p>
+            <a:pPr algn="ctr"/>
+            <a:r>
+              <a:rPr lang="en-US" altLang="zh-CN" dirty="0" smtClean="0"/>
+              <a:t>Now</a:t>
+            </a:r>
+            <a:r>
+              <a:rPr lang="zh-CN" altLang="en-US" dirty="0" smtClean="0"/>
+              <a:t> </a:t>
+            </a:r>
+            <a:r>
+              <a:rPr lang="en-US" altLang="zh-CN" dirty="0" smtClean="0"/>
+              <a:t>the</a:t>
+            </a:r>
+            <a:r>
+              <a:rPr lang="zh-CN" altLang="en-US" dirty="0" smtClean="0"/>
+              <a:t> </a:t>
+            </a:r>
+            <a:r>
+              <a:rPr lang="en-US" altLang="zh-CN" dirty="0" smtClean="0"/>
+              <a:t>papers</a:t>
+            </a:r>
+            <a:r>
+              <a:rPr lang="is-IS" altLang="zh-CN" dirty="0" smtClean="0"/>
+              <a:t>…</a:t>
+            </a:r>
+            <a:endParaRPr lang="en-US" dirty="0"/>
+          </a:p>
+        </p:txBody>
+      </p:sp>
+      <p:sp>
+        <p:nvSpPr>
+          <p:cNvPr id="4" name="Slide Number Placeholder 3"/>
+          <p:cNvSpPr>
+            <a:spLocks noGrp="1"/>
+          </p:cNvSpPr>
+          <p:nvPr>
+            <p:ph type="sldNum" sz="quarter" idx="12"/>
+          </p:nvPr>
+        </p:nvSpPr>
+        <p:spPr/>
+        <p:txBody>
+          <a:bodyPr/>
+          <a:lstStyle/>
+          <a:p>
+            <a:fld id="{1C91BF9F-A6D6-9C44-9AC2-A799D1CC7BF8}" type="slidenum">
+              <a:rPr lang="en-US" smtClean="0"/>
+              <a:t>10</a:t>
+            </a:fld>
+            <a:endParaRPr lang="en-US"/>
+          </a:p>
+        </p:txBody>
+      </p:sp>
+      <p:sp>
+        <p:nvSpPr>
+          <p:cNvPr id="6" name="Content Placeholder 2"/>
+          <p:cNvSpPr>
+            <a:spLocks noGrp="1"/>
+          </p:cNvSpPr>
+          <p:nvPr>
+            <p:ph idx="1"/>
+          </p:nvPr>
+        </p:nvSpPr>
+        <p:spPr>
+          <a:xfrm>
+            <a:off x="628650" y="2819399"/>
+            <a:ext cx="8058150" cy="3357563"/>
+          </a:xfrm>
+        </p:spPr>
+        <p:txBody>
+          <a:bodyPr/>
+          <a:lstStyle/>
+          <a:p>
+            <a:r>
+              <a:rPr lang="en-US" dirty="0" smtClean="0"/>
+              <a:t>Helios, SIGCOMM’10</a:t>
+            </a:r>
+          </a:p>
+          <a:p>
+            <a:endParaRPr lang="en-US" dirty="0"/>
+          </a:p>
+          <a:p>
+            <a:r>
+              <a:rPr lang="en-US" dirty="0" err="1" smtClean="0"/>
+              <a:t>ProjecToR</a:t>
+            </a:r>
+            <a:r>
+              <a:rPr lang="en-US" dirty="0" smtClean="0"/>
+              <a:t>, SIGCOMM’16</a:t>
+            </a:r>
+            <a:endParaRPr lang="en-US" b="0" dirty="0"/>
+          </a:p>
+        </p:txBody>
+      </p:sp>
+    </p:spTree>
+    <p:extLst>
+      <p:ext uri="{BB962C8B-B14F-4D97-AF65-F5344CB8AC3E}">
+        <p14:creationId xmlns:p14="http://schemas.microsoft.com/office/powerpoint/2010/main" val="334783698"/>
+      </p:ext>
+    </p:extLst>
+  </p:cSld>
+  <p:clrMapOvr>
+    <a:masterClrMapping/>
+  </p:clrMapOvr>
+  <p:timing>
+    <p:tnLst>
+      <p:par>
+        <p:cTn id="1" dur="indefinite" restart="never" nodeType="tmRoot"/>
+      </p:par>
+    </p:tnLst>
+  </p:timing>
+</p:sld>
+</file>
+
+<file path=ppt/slides/slide11.xml><?xml version="1.0" encoding="utf-8"?>
+<p:sld xmlns:a="http://schemas.openxmlformats.org/drawingml/2006/main" xmlns:r="http://schemas.openxmlformats.org/officeDocument/2006/relationships" xmlns:p="http://schemas.openxmlformats.org/presentationml/2006/main">
+  <p:cSld>
+    <p:spTree>
+      <p:nvGrpSpPr>
+        <p:cNvPr id="1" name=""/>
+        <p:cNvGrpSpPr/>
+        <p:nvPr/>
+      </p:nvGrpSpPr>
+      <p:grpSpPr>
+        <a:xfrm>
+          <a:off x="0" y="0"/>
+          <a:ext cx="0" cy="0"/>
+          <a:chOff x="0" y="0"/>
+          <a:chExt cx="0" cy="0"/>
+        </a:xfrm>
+      </p:grpSpPr>
+      <p:sp>
+        <p:nvSpPr>
+          <p:cNvPr id="2" name="Title 1"/>
+          <p:cNvSpPr>
+            <a:spLocks noGrp="1"/>
+          </p:cNvSpPr>
+          <p:nvPr>
+            <p:ph type="title"/>
+          </p:nvPr>
+        </p:nvSpPr>
         <p:spPr/>
         <p:txBody>
           <a:bodyPr/>
@@ -3928,7 +4079,7 @@
           <a:p>
             <a:fld id="{1C91BF9F-A6D6-9C44-9AC2-A799D1CC7BF8}" type="slidenum">
               <a:rPr lang="en-US" smtClean="0"/>
-              <a:t>10</a:t>
+              <a:t>11</a:t>
             </a:fld>
             <a:endParaRPr lang="en-US"/>
           </a:p>
@@ -4127,7 +4278,7 @@
 </p:sld>
 </file>
 
-<file path=ppt/slides/slide11.xml><?xml version="1.0" encoding="utf-8"?>
+<file path=ppt/slides/slide12.xml><?xml version="1.0" encoding="utf-8"?>
 <p:sld xmlns:a="http://schemas.openxmlformats.org/drawingml/2006/main" xmlns:r="http://schemas.openxmlformats.org/officeDocument/2006/relationships" xmlns:p="http://schemas.openxmlformats.org/presentationml/2006/main">
   <p:cSld>
     <p:spTree>
@@ -4197,7 +4348,7 @@
           <a:p>
             <a:fld id="{1C91BF9F-A6D6-9C44-9AC2-A799D1CC7BF8}" type="slidenum">
               <a:rPr lang="en-US" smtClean="0"/>
-              <a:t>11</a:t>
+              <a:t>12</a:t>
             </a:fld>
             <a:endParaRPr lang="en-US"/>
           </a:p>
@@ -4990,7 +5141,7 @@
             <a:pPr lvl="1"/>
             <a:r>
               <a:rPr lang="en-US" dirty="0" smtClean="0"/>
-              <a:t>Can be immediately deployable</a:t>
+              <a:t>Can be immediately deployed</a:t>
             </a:r>
           </a:p>
           <a:p>
@@ -5579,7 +5730,7 @@
             </a:r>
             <a:r>
               <a:rPr lang="en-US" altLang="zh-CN" b="0" dirty="0" smtClean="0"/>
-              <a:t>O(100)</a:t>
+              <a:t>O(1-100)</a:t>
             </a:r>
             <a:r>
               <a:rPr lang="zh-CN" altLang="en-US" b="0" dirty="0" smtClean="0"/>
@@ -5661,11 +5812,7 @@
             <a:pPr lvl="1"/>
             <a:r>
               <a:rPr lang="en-US" altLang="zh-CN" dirty="0" smtClean="0"/>
-              <a:t>Network was the bottleneck: only 1Gbps NICs </a:t>
-            </a:r>
-            <a:r>
-              <a:rPr lang="en-US" altLang="zh-CN" smtClean="0"/>
-              <a:t>in 2008</a:t>
+              <a:t>Network was the bottleneck: only 1Gbps NICs in 2008</a:t>
             </a:r>
             <a:endParaRPr lang="en-US" altLang="zh-CN" b="0" dirty="0" smtClean="0"/>
           </a:p>
@@ -6189,12 +6336,24 @@
           <a:p>
             <a:r>
               <a:rPr lang="en-US" dirty="0" smtClean="0"/>
-              <a:t>VL2, SIGCOMM’08: </a:t>
+              <a:t>VL2, </a:t>
+            </a:r>
+            <a:r>
+              <a:rPr lang="en-US" dirty="0" smtClean="0"/>
+              <a:t>SIGCOMM’09: </a:t>
             </a:r>
             <a:r>
               <a:rPr lang="en-US" b="0" dirty="0" smtClean="0"/>
               <a:t>Research paper from Microsoft; early proposal on DCN</a:t>
             </a:r>
+          </a:p>
+          <a:p>
+            <a:pPr lvl="1"/>
+            <a:r>
+              <a:rPr lang="en-US" dirty="0" smtClean="0"/>
+              <a:t>ACM SIGCOMM Test of Time Paper Award, 2019</a:t>
+            </a:r>
+            <a:endParaRPr lang="en-US" b="0" dirty="0" smtClean="0"/>
           </a:p>
           <a:p>
             <a:endParaRPr lang="en-US" dirty="0"/>
@@ -6289,13 +6448,8 @@
           <a:p>
             <a:r>
               <a:rPr lang="en-US" dirty="0" smtClean="0"/>
-              <a:t>What do you like and dislike about Google’s data center network design</a:t>
-            </a:r>
-            <a:r>
-              <a:rPr lang="en-US" dirty="0" smtClean="0"/>
-              <a:t>?</a:t>
-            </a:r>
-            <a:endParaRPr lang="en-US" dirty="0" smtClean="0"/>
+              <a:t>What do you like and dislike about Google’s data center network design?</a:t>
+            </a:r>
           </a:p>
         </p:txBody>
       </p:sp>
@@ -6474,11 +6628,7 @@
           <a:p>
             <a:r>
               <a:rPr lang="en-US" dirty="0" smtClean="0"/>
-              <a:t>What </a:t>
-            </a:r>
-            <a:r>
-              <a:rPr lang="en-US" dirty="0" smtClean="0"/>
-              <a:t>is the difference between VL2 and Jupiter? What works? What does not work?</a:t>
+              <a:t>What is the difference between VL2 and Jupiter? What works? What does not work?</a:t>
             </a:r>
           </a:p>
           <a:p>
@@ -6761,40 +6911,45 @@
             <p:ph type="title"/>
           </p:nvPr>
         </p:nvSpPr>
-        <p:spPr>
-          <a:xfrm>
-            <a:off x="628650" y="990600"/>
-            <a:ext cx="7886700" cy="2316163"/>
-          </a:xfrm>
-        </p:spPr>
-        <p:txBody>
-          <a:bodyPr/>
-          <a:lstStyle/>
-          <a:p>
-            <a:pPr algn="ctr"/>
-            <a:r>
-              <a:rPr lang="en-US" altLang="zh-CN" dirty="0" smtClean="0"/>
-              <a:t>Now</a:t>
-            </a:r>
-            <a:r>
-              <a:rPr lang="zh-CN" altLang="en-US" dirty="0" smtClean="0"/>
-              <a:t> </a:t>
-            </a:r>
-            <a:r>
-              <a:rPr lang="en-US" altLang="zh-CN" dirty="0" smtClean="0"/>
-              <a:t>the</a:t>
-            </a:r>
-            <a:r>
-              <a:rPr lang="zh-CN" altLang="en-US" dirty="0" smtClean="0"/>
-              <a:t> </a:t>
-            </a:r>
-            <a:r>
-              <a:rPr lang="en-US" altLang="zh-CN" dirty="0" smtClean="0"/>
-              <a:t>papers</a:t>
-            </a:r>
-            <a:r>
-              <a:rPr lang="is-IS" altLang="zh-CN" dirty="0" smtClean="0"/>
-              <a:t>…</a:t>
+        <p:spPr/>
+        <p:txBody>
+          <a:bodyPr/>
+          <a:lstStyle/>
+          <a:p>
+            <a:r>
+              <a:rPr lang="en-US" dirty="0" smtClean="0"/>
+              <a:t>Assignment 1 is out</a:t>
+            </a:r>
+            <a:endParaRPr lang="en-US" dirty="0"/>
+          </a:p>
+        </p:txBody>
+      </p:sp>
+      <p:sp>
+        <p:nvSpPr>
+          <p:cNvPr id="3" name="Content Placeholder 2"/>
+          <p:cNvSpPr>
+            <a:spLocks noGrp="1"/>
+          </p:cNvSpPr>
+          <p:nvPr>
+            <p:ph idx="1"/>
+          </p:nvPr>
+        </p:nvSpPr>
+        <p:spPr/>
+        <p:txBody>
+          <a:bodyPr/>
+          <a:lstStyle/>
+          <a:p>
+            <a:r>
+              <a:rPr lang="en-US" b="0" dirty="0"/>
+              <a:t>Use iperf3 and </a:t>
+            </a:r>
+            <a:r>
+              <a:rPr lang="en-US" b="0" dirty="0" err="1"/>
+              <a:t>wireshark</a:t>
+            </a:r>
+            <a:r>
+              <a:rPr lang="en-US" b="0" dirty="0"/>
+              <a:t> to explore TCP</a:t>
             </a:r>
             <a:endParaRPr lang="en-US" dirty="0"/>
           </a:p>
@@ -6823,64 +6978,16 @@
           </a:p>
         </p:txBody>
       </p:sp>
-      <p:sp>
-        <p:nvSpPr>
-          <p:cNvPr id="6" name="Content Placeholder 2"/>
-          <p:cNvSpPr>
-            <a:spLocks noGrp="1"/>
-          </p:cNvSpPr>
-          <p:nvPr>
-            <p:ph idx="1"/>
-          </p:nvPr>
-        </p:nvSpPr>
-        <p:spPr>
-          <a:xfrm>
-            <a:off x="628650" y="2819399"/>
-            <a:ext cx="8058150" cy="3357563"/>
-          </a:xfrm>
-        </p:spPr>
-        <p:txBody>
-          <a:bodyPr/>
-          <a:lstStyle/>
-          <a:p>
-            <a:r>
-              <a:rPr lang="en-US" dirty="0" smtClean="0"/>
-              <a:t>Helios, SIGCOMM’10</a:t>
-            </a:r>
-          </a:p>
-          <a:p>
-            <a:endParaRPr lang="en-US" dirty="0"/>
-          </a:p>
-          <a:p>
-            <a:r>
-              <a:rPr lang="en-US" dirty="0" err="1" smtClean="0"/>
-              <a:t>ProjecToR</a:t>
-            </a:r>
-            <a:r>
-              <a:rPr lang="en-US" dirty="0" smtClean="0"/>
-              <a:t>, SIGCOMM’16</a:t>
-            </a:r>
-            <a:endParaRPr lang="en-US" b="0" dirty="0"/>
-          </a:p>
-        </p:txBody>
-      </p:sp>
     </p:spTree>
     <p:extLst>
       <p:ext uri="{BB962C8B-B14F-4D97-AF65-F5344CB8AC3E}">
-        <p14:creationId xmlns:p14="http://schemas.microsoft.com/office/powerpoint/2010/main" val="334783698"/>
+        <p14:creationId xmlns:p14="http://schemas.microsoft.com/office/powerpoint/2010/main" val="4071472"/>
       </p:ext>
     </p:extLst>
   </p:cSld>
   <p:clrMapOvr>
     <a:masterClrMapping/>
   </p:clrMapOvr>
-  <p:timing>
-    <p:tnLst>
-      <p:par>
-        <p:cTn id="1" dur="indefinite" restart="never" nodeType="tmRoot"/>
-      </p:par>
-    </p:tnLst>
-  </p:timing>
 </p:sld>
 </file>
 

--- a/slides/lec06_datacenter.pptx
+++ b/slides/lec06_datacenter.pptx
@@ -5,7 +5,7 @@
     <p:sldMasterId id="2147483660" r:id="rId1"/>
   </p:sldMasterIdLst>
   <p:notesMasterIdLst>
-    <p:notesMasterId r:id="rId14"/>
+    <p:notesMasterId r:id="rId22"/>
   </p:notesMasterIdLst>
   <p:sldIdLst>
     <p:sldId id="256" r:id="rId2"/>
@@ -19,7 +19,15 @@
     <p:sldId id="417" r:id="rId10"/>
     <p:sldId id="415" r:id="rId11"/>
     <p:sldId id="416" r:id="rId12"/>
-    <p:sldId id="319" r:id="rId13"/>
+    <p:sldId id="418" r:id="rId13"/>
+    <p:sldId id="419" r:id="rId14"/>
+    <p:sldId id="421" r:id="rId15"/>
+    <p:sldId id="422" r:id="rId16"/>
+    <p:sldId id="423" r:id="rId17"/>
+    <p:sldId id="424" r:id="rId18"/>
+    <p:sldId id="425" r:id="rId19"/>
+    <p:sldId id="426" r:id="rId20"/>
+    <p:sldId id="319" r:id="rId21"/>
   </p:sldIdLst>
   <p:sldSz cx="9144000" cy="6858000" type="screen4x3"/>
   <p:notesSz cx="6858000" cy="9144000"/>
@@ -222,7 +230,7 @@
           <a:p>
             <a:fld id="{26C21ED3-A5B8-0F43-BEC8-3BB1C1D7A737}" type="datetimeFigureOut">
               <a:rPr lang="en-US" smtClean="0"/>
-              <a:t>9/24/19</a:t>
+              <a:t>10/12/19</a:t>
             </a:fld>
             <a:endParaRPr lang="en-US"/>
           </a:p>
@@ -534,22 +542,6 @@
           <a:bodyPr/>
           <a:lstStyle/>
           <a:p>
-            <a:r>
-              <a:rPr lang="en-US" dirty="0" smtClean="0"/>
-              <a:t>Slides</a:t>
-            </a:r>
-            <a:r>
-              <a:rPr lang="en-US" baseline="0" dirty="0" smtClean="0"/>
-              <a:t> a</a:t>
-            </a:r>
-            <a:r>
-              <a:rPr lang="en-US" dirty="0" smtClean="0"/>
-              <a:t>dapted from Princeton COS</a:t>
-            </a:r>
-            <a:r>
-              <a:rPr lang="en-US" baseline="0" dirty="0" smtClean="0"/>
-              <a:t> 561 Advanced Computer Networks</a:t>
-            </a:r>
             <a:endParaRPr lang="en-US" dirty="0"/>
           </a:p>
         </p:txBody>
@@ -721,7 +713,7 @@
           <a:p>
             <a:fld id="{ECF56177-CEF1-0141-836F-3867E7E9C1D8}" type="datetime1">
               <a:rPr lang="en-US" smtClean="0"/>
-              <a:t>9/24/19</a:t>
+              <a:t>10/12/19</a:t>
             </a:fld>
             <a:endParaRPr lang="en-US"/>
           </a:p>
@@ -891,7 +883,7 @@
           <a:p>
             <a:fld id="{4CDC8FB9-92E9-4C40-A76A-6D1CDAB665BB}" type="datetime1">
               <a:rPr lang="en-US" smtClean="0"/>
-              <a:t>9/24/19</a:t>
+              <a:t>10/12/19</a:t>
             </a:fld>
             <a:endParaRPr lang="en-US"/>
           </a:p>
@@ -1071,7 +1063,7 @@
           <a:p>
             <a:fld id="{F8F03505-CCE7-CA4C-B4F1-35193B6B5156}" type="datetime1">
               <a:rPr lang="en-US" smtClean="0"/>
-              <a:t>9/24/19</a:t>
+              <a:t>10/12/19</a:t>
             </a:fld>
             <a:endParaRPr lang="en-US"/>
           </a:p>
@@ -1241,7 +1233,7 @@
           <a:p>
             <a:fld id="{A02E57FB-CD21-0942-A714-152EC4568E9D}" type="datetime1">
               <a:rPr lang="en-US" smtClean="0"/>
-              <a:t>9/24/19</a:t>
+              <a:t>10/12/19</a:t>
             </a:fld>
             <a:endParaRPr lang="en-US"/>
           </a:p>
@@ -1485,7 +1477,7 @@
           <a:p>
             <a:fld id="{77AD2927-A654-D74D-A6C0-BF96EF7229C7}" type="datetime1">
               <a:rPr lang="en-US" smtClean="0"/>
-              <a:t>9/24/19</a:t>
+              <a:t>10/12/19</a:t>
             </a:fld>
             <a:endParaRPr lang="en-US"/>
           </a:p>
@@ -1717,7 +1709,7 @@
           <a:p>
             <a:fld id="{37B554B6-7788-2348-9289-7CAD598A9555}" type="datetime1">
               <a:rPr lang="en-US" smtClean="0"/>
-              <a:t>9/24/19</a:t>
+              <a:t>10/12/19</a:t>
             </a:fld>
             <a:endParaRPr lang="en-US"/>
           </a:p>
@@ -2084,7 +2076,7 @@
           <a:p>
             <a:fld id="{CCE331CB-FA13-3243-AD80-8733E43C7C1F}" type="datetime1">
               <a:rPr lang="en-US" smtClean="0"/>
-              <a:t>9/24/19</a:t>
+              <a:t>10/12/19</a:t>
             </a:fld>
             <a:endParaRPr lang="en-US"/>
           </a:p>
@@ -2202,7 +2194,7 @@
           <a:p>
             <a:fld id="{C0172A9A-4F1F-854A-9B1E-96AFCC4A9B03}" type="datetime1">
               <a:rPr lang="en-US" smtClean="0"/>
-              <a:t>9/24/19</a:t>
+              <a:t>10/12/19</a:t>
             </a:fld>
             <a:endParaRPr lang="en-US"/>
           </a:p>
@@ -2297,7 +2289,7 @@
           <a:p>
             <a:fld id="{2D504595-1B90-0F4A-A1D0-6609637EC4CD}" type="datetime1">
               <a:rPr lang="en-US" smtClean="0"/>
-              <a:t>9/24/19</a:t>
+              <a:t>10/12/19</a:t>
             </a:fld>
             <a:endParaRPr lang="en-US"/>
           </a:p>
@@ -2574,7 +2566,7 @@
           <a:p>
             <a:fld id="{F48EB26F-796F-BD4B-9EC5-A039FE9C305B}" type="datetime1">
               <a:rPr lang="en-US" smtClean="0"/>
-              <a:t>9/24/19</a:t>
+              <a:t>10/12/19</a:t>
             </a:fld>
             <a:endParaRPr lang="en-US"/>
           </a:p>
@@ -2831,7 +2823,7 @@
           <a:p>
             <a:fld id="{CDC2C28A-C946-0143-970B-84B8FE5654F4}" type="datetime1">
               <a:rPr lang="en-US" smtClean="0"/>
-              <a:t>9/24/19</a:t>
+              <a:t>10/12/19</a:t>
             </a:fld>
             <a:endParaRPr lang="en-US"/>
           </a:p>
@@ -3044,7 +3036,7 @@
           <a:p>
             <a:fld id="{A831EFE4-169C-9248-BC74-4797ECDAE130}" type="datetime1">
               <a:rPr lang="en-US" smtClean="0"/>
-              <a:t>9/24/19</a:t>
+              <a:t>10/12/19</a:t>
             </a:fld>
             <a:endParaRPr lang="en-US"/>
           </a:p>
@@ -3508,22 +3500,38 @@
           </a:p>
           <a:p>
             <a:r>
-              <a:rPr lang="en-US" b="0" dirty="0" smtClean="0"/>
-              <a:t>Fall 2017 (</a:t>
-            </a:r>
-            <a:r>
-              <a:rPr lang="en-US" b="0" dirty="0" err="1" smtClean="0"/>
+              <a:rPr lang="en-US" b="0" dirty="0"/>
+              <a:t>Fall 201</a:t>
+            </a:r>
+            <a:r>
+              <a:rPr lang="en-US" altLang="zh-CN" b="0" dirty="0"/>
+              <a:t>9</a:t>
+            </a:r>
+            <a:r>
+              <a:rPr lang="en-US" b="0" dirty="0"/>
+              <a:t> (</a:t>
+            </a:r>
+            <a:r>
+              <a:rPr lang="en-US" b="0" dirty="0" err="1"/>
               <a:t>TTh</a:t>
             </a:r>
             <a:r>
-              <a:rPr lang="en-US" b="0" dirty="0" smtClean="0"/>
-              <a:t> 1:30-2:45 in Malone 228</a:t>
-            </a:r>
-            <a:r>
-              <a:rPr lang="zh-CN" altLang="en-US" b="0" dirty="0" smtClean="0"/>
-              <a:t>）</a:t>
-            </a:r>
-            <a:endParaRPr lang="en-US" b="0" dirty="0" smtClean="0"/>
+              <a:rPr lang="en-US" b="0" dirty="0"/>
+              <a:t> 1:30-2:45 in </a:t>
+            </a:r>
+            <a:r>
+              <a:rPr lang="en-US" altLang="zh-CN" b="0" dirty="0" err="1"/>
+              <a:t>Hodson</a:t>
+            </a:r>
+            <a:r>
+              <a:rPr lang="zh-CN" altLang="en-US" b="0" dirty="0"/>
+              <a:t> </a:t>
+            </a:r>
+            <a:r>
+              <a:rPr lang="en-US" altLang="zh-CN" b="0" dirty="0"/>
+              <a:t>316)</a:t>
+            </a:r>
+            <a:endParaRPr lang="en-US" b="0" dirty="0"/>
           </a:p>
         </p:txBody>
       </p:sp>
@@ -4307,7 +4315,7 @@
         </p:nvSpPr>
         <p:spPr>
           <a:xfrm>
-            <a:off x="628650" y="2179637"/>
+            <a:off x="628650" y="990600"/>
             <a:ext cx="7886700" cy="2316163"/>
           </a:xfrm>
         </p:spPr>
@@ -4317,15 +4325,28 @@
           <a:p>
             <a:pPr algn="ctr"/>
             <a:r>
-              <a:rPr lang="en-US" smtClean="0"/>
-              <a:t>Thanks!</a:t>
-            </a:r>
-            <a:br>
-              <a:rPr lang="en-US" smtClean="0"/>
-            </a:br>
-            <a:r>
-              <a:rPr lang="en-US" dirty="0" smtClean="0"/>
-              <a:t>Q&amp;A</a:t>
+              <a:rPr lang="en-US" altLang="zh-CN" dirty="0" smtClean="0"/>
+              <a:t>Now</a:t>
+            </a:r>
+            <a:r>
+              <a:rPr lang="zh-CN" altLang="en-US" dirty="0" smtClean="0"/>
+              <a:t> </a:t>
+            </a:r>
+            <a:r>
+              <a:rPr lang="en-US" altLang="zh-CN" dirty="0" smtClean="0"/>
+              <a:t>the</a:t>
+            </a:r>
+            <a:r>
+              <a:rPr lang="zh-CN" altLang="en-US" dirty="0" smtClean="0"/>
+              <a:t> </a:t>
+            </a:r>
+            <a:r>
+              <a:rPr lang="en-US" altLang="zh-CN" dirty="0" smtClean="0"/>
+              <a:t>papers</a:t>
+            </a:r>
+            <a:r>
+              <a:rPr lang="is-IS" altLang="zh-CN" dirty="0" smtClean="0"/>
+              <a:t>…</a:t>
             </a:r>
             <a:endParaRPr lang="en-US" dirty="0"/>
           </a:p>
@@ -4354,10 +4375,65 @@
           </a:p>
         </p:txBody>
       </p:sp>
+      <p:sp>
+        <p:nvSpPr>
+          <p:cNvPr id="6" name="Content Placeholder 2"/>
+          <p:cNvSpPr>
+            <a:spLocks noGrp="1"/>
+          </p:cNvSpPr>
+          <p:nvPr>
+            <p:ph idx="1"/>
+          </p:nvPr>
+        </p:nvSpPr>
+        <p:spPr>
+          <a:xfrm>
+            <a:off x="628650" y="2819399"/>
+            <a:ext cx="8058150" cy="3357563"/>
+          </a:xfrm>
+        </p:spPr>
+        <p:txBody>
+          <a:bodyPr/>
+          <a:lstStyle/>
+          <a:p>
+            <a:r>
+              <a:rPr lang="en-US" dirty="0" smtClean="0"/>
+              <a:t>DCTCP, SIGCOMM’10</a:t>
+            </a:r>
+          </a:p>
+          <a:p>
+            <a:pPr lvl="1"/>
+            <a:r>
+              <a:rPr lang="en-US" dirty="0" smtClean="0"/>
+              <a:t>A pioneering paper for congestion control in datacenters</a:t>
+            </a:r>
+          </a:p>
+          <a:p>
+            <a:endParaRPr lang="en-US" dirty="0"/>
+          </a:p>
+          <a:p>
+            <a:r>
+              <a:rPr lang="en-US" dirty="0" err="1" smtClean="0"/>
+              <a:t>pFabric</a:t>
+            </a:r>
+            <a:r>
+              <a:rPr lang="en-US" dirty="0" smtClean="0"/>
+              <a:t>, SIGCOMM’13</a:t>
+            </a:r>
+          </a:p>
+          <a:p>
+            <a:pPr lvl="1"/>
+            <a:r>
+              <a:rPr lang="en-US" b="0" dirty="0" smtClean="0"/>
+              <a:t>A clean-slate design considered to achieve near-optimal performance</a:t>
+            </a:r>
+            <a:endParaRPr lang="en-US" b="0" dirty="0"/>
+          </a:p>
+        </p:txBody>
+      </p:sp>
     </p:spTree>
     <p:extLst>
       <p:ext uri="{BB962C8B-B14F-4D97-AF65-F5344CB8AC3E}">
-        <p14:creationId xmlns:p14="http://schemas.microsoft.com/office/powerpoint/2010/main" val="1868794264"/>
+        <p14:creationId xmlns:p14="http://schemas.microsoft.com/office/powerpoint/2010/main" val="578621512"/>
       </p:ext>
     </p:extLst>
   </p:cSld>
@@ -4371,6 +4447,1328 @@
       </p:par>
     </p:tnLst>
   </p:timing>
+</p:sld>
+</file>
+
+<file path=ppt/slides/slide13.xml><?xml version="1.0" encoding="utf-8"?>
+<p:sld xmlns:a="http://schemas.openxmlformats.org/drawingml/2006/main" xmlns:r="http://schemas.openxmlformats.org/officeDocument/2006/relationships" xmlns:p="http://schemas.openxmlformats.org/presentationml/2006/main">
+  <p:cSld>
+    <p:spTree>
+      <p:nvGrpSpPr>
+        <p:cNvPr id="1" name=""/>
+        <p:cNvGrpSpPr/>
+        <p:nvPr/>
+      </p:nvGrpSpPr>
+      <p:grpSpPr>
+        <a:xfrm>
+          <a:off x="0" y="0"/>
+          <a:ext cx="0" cy="0"/>
+          <a:chOff x="0" y="0"/>
+          <a:chExt cx="0" cy="0"/>
+        </a:xfrm>
+      </p:grpSpPr>
+      <p:sp>
+        <p:nvSpPr>
+          <p:cNvPr id="2" name="Title 1"/>
+          <p:cNvSpPr>
+            <a:spLocks noGrp="1"/>
+          </p:cNvSpPr>
+          <p:nvPr>
+            <p:ph type="title"/>
+          </p:nvPr>
+        </p:nvSpPr>
+        <p:spPr/>
+        <p:txBody>
+          <a:bodyPr/>
+          <a:lstStyle/>
+          <a:p>
+            <a:r>
+              <a:rPr lang="en-US" dirty="0" smtClean="0"/>
+              <a:t>Discussion</a:t>
+            </a:r>
+            <a:endParaRPr lang="en-US" dirty="0"/>
+          </a:p>
+        </p:txBody>
+      </p:sp>
+      <p:sp>
+        <p:nvSpPr>
+          <p:cNvPr id="3" name="Content Placeholder 2"/>
+          <p:cNvSpPr>
+            <a:spLocks noGrp="1"/>
+          </p:cNvSpPr>
+          <p:nvPr>
+            <p:ph idx="1"/>
+          </p:nvPr>
+        </p:nvSpPr>
+        <p:spPr/>
+        <p:txBody>
+          <a:bodyPr/>
+          <a:lstStyle/>
+          <a:p>
+            <a:r>
+              <a:rPr lang="en-US" dirty="0"/>
+              <a:t>How to compare the two papers, i.e., their pros and cons?</a:t>
+            </a:r>
+          </a:p>
+          <a:p>
+            <a:endParaRPr lang="en-US" dirty="0"/>
+          </a:p>
+          <a:p>
+            <a:r>
+              <a:rPr lang="en-US" dirty="0" smtClean="0"/>
+              <a:t>What if you can get more information about the queues?</a:t>
+            </a:r>
+          </a:p>
+          <a:p>
+            <a:endParaRPr lang="en-US" dirty="0"/>
+          </a:p>
+          <a:p>
+            <a:r>
+              <a:rPr lang="en-US" smtClean="0"/>
+              <a:t>Any drawbacks </a:t>
+            </a:r>
+            <a:r>
+              <a:rPr lang="en-US" dirty="0" smtClean="0"/>
+              <a:t>of </a:t>
+            </a:r>
+            <a:r>
+              <a:rPr lang="en-US" dirty="0" err="1" smtClean="0"/>
+              <a:t>pFabric</a:t>
+            </a:r>
+            <a:r>
+              <a:rPr lang="en-US" dirty="0" smtClean="0"/>
+              <a:t>?</a:t>
+            </a:r>
+            <a:endParaRPr lang="en-US" dirty="0"/>
+          </a:p>
+        </p:txBody>
+      </p:sp>
+      <p:sp>
+        <p:nvSpPr>
+          <p:cNvPr id="4" name="Slide Number Placeholder 3"/>
+          <p:cNvSpPr>
+            <a:spLocks noGrp="1"/>
+          </p:cNvSpPr>
+          <p:nvPr>
+            <p:ph type="sldNum" sz="quarter" idx="12"/>
+          </p:nvPr>
+        </p:nvSpPr>
+        <p:spPr/>
+        <p:txBody>
+          <a:bodyPr/>
+          <a:lstStyle/>
+          <a:p>
+            <a:fld id="{1C91BF9F-A6D6-9C44-9AC2-A799D1CC7BF8}" type="slidenum">
+              <a:rPr lang="en-US" smtClean="0"/>
+              <a:t>13</a:t>
+            </a:fld>
+            <a:endParaRPr lang="en-US"/>
+          </a:p>
+        </p:txBody>
+      </p:sp>
+    </p:spTree>
+    <p:extLst>
+      <p:ext uri="{BB962C8B-B14F-4D97-AF65-F5344CB8AC3E}">
+        <p14:creationId xmlns:p14="http://schemas.microsoft.com/office/powerpoint/2010/main" val="1165757493"/>
+      </p:ext>
+    </p:extLst>
+  </p:cSld>
+  <p:clrMapOvr>
+    <a:masterClrMapping/>
+  </p:clrMapOvr>
+  <p:timing>
+    <p:tnLst>
+      <p:par>
+        <p:cTn id="1" dur="indefinite" restart="never" nodeType="tmRoot">
+          <p:childTnLst>
+            <p:seq concurrent="1" nextAc="seek">
+              <p:cTn id="2" dur="indefinite" nodeType="mainSeq">
+                <p:childTnLst>
+                  <p:par>
+                    <p:cTn id="3" fill="hold">
+                      <p:stCondLst>
+                        <p:cond delay="indefinite"/>
+                      </p:stCondLst>
+                      <p:childTnLst>
+                        <p:par>
+                          <p:cTn id="4" fill="hold">
+                            <p:stCondLst>
+                              <p:cond delay="0"/>
+                            </p:stCondLst>
+                            <p:childTnLst>
+                              <p:par>
+                                <p:cTn id="5" presetID="1" presetClass="entr" presetSubtype="0" fill="hold" grpId="0" nodeType="clickEffect">
+                                  <p:stCondLst>
+                                    <p:cond delay="0"/>
+                                  </p:stCondLst>
+                                  <p:childTnLst>
+                                    <p:set>
+                                      <p:cBhvr>
+                                        <p:cTn id="6" dur="1" fill="hold">
+                                          <p:stCondLst>
+                                            <p:cond delay="0"/>
+                                          </p:stCondLst>
+                                        </p:cTn>
+                                        <p:tgtEl>
+                                          <p:spTgt spid="3">
+                                            <p:txEl>
+                                              <p:pRg st="2" end="2"/>
+                                            </p:txEl>
+                                          </p:spTgt>
+                                        </p:tgtEl>
+                                        <p:attrNameLst>
+                                          <p:attrName>style.visibility</p:attrName>
+                                        </p:attrNameLst>
+                                      </p:cBhvr>
+                                      <p:to>
+                                        <p:strVal val="visible"/>
+                                      </p:to>
+                                    </p:set>
+                                  </p:childTnLst>
+                                </p:cTn>
+                              </p:par>
+                            </p:childTnLst>
+                          </p:cTn>
+                        </p:par>
+                      </p:childTnLst>
+                    </p:cTn>
+                  </p:par>
+                  <p:par>
+                    <p:cTn id="7" fill="hold">
+                      <p:stCondLst>
+                        <p:cond delay="indefinite"/>
+                      </p:stCondLst>
+                      <p:childTnLst>
+                        <p:par>
+                          <p:cTn id="8" fill="hold">
+                            <p:stCondLst>
+                              <p:cond delay="0"/>
+                            </p:stCondLst>
+                            <p:childTnLst>
+                              <p:par>
+                                <p:cTn id="9" presetID="1" presetClass="entr" presetSubtype="0" fill="hold" grpId="0" nodeType="clickEffect">
+                                  <p:stCondLst>
+                                    <p:cond delay="0"/>
+                                  </p:stCondLst>
+                                  <p:childTnLst>
+                                    <p:set>
+                                      <p:cBhvr>
+                                        <p:cTn id="10" dur="1" fill="hold">
+                                          <p:stCondLst>
+                                            <p:cond delay="0"/>
+                                          </p:stCondLst>
+                                        </p:cTn>
+                                        <p:tgtEl>
+                                          <p:spTgt spid="3">
+                                            <p:txEl>
+                                              <p:pRg st="4" end="4"/>
+                                            </p:txEl>
+                                          </p:spTgt>
+                                        </p:tgtEl>
+                                        <p:attrNameLst>
+                                          <p:attrName>style.visibility</p:attrName>
+                                        </p:attrNameLst>
+                                      </p:cBhvr>
+                                      <p:to>
+                                        <p:strVal val="visible"/>
+                                      </p:to>
+                                    </p:set>
+                                  </p:childTnLst>
+                                </p:cTn>
+                              </p:par>
+                            </p:childTnLst>
+                          </p:cTn>
+                        </p:par>
+                      </p:childTnLst>
+                    </p:cTn>
+                  </p:par>
+                </p:childTnLst>
+              </p:cTn>
+              <p:prevCondLst>
+                <p:cond evt="onPrev" delay="0">
+                  <p:tgtEl>
+                    <p:sldTgt/>
+                  </p:tgtEl>
+                </p:cond>
+              </p:prevCondLst>
+              <p:nextCondLst>
+                <p:cond evt="onNext" delay="0">
+                  <p:tgtEl>
+                    <p:sldTgt/>
+                  </p:tgtEl>
+                </p:cond>
+              </p:nextCondLst>
+            </p:seq>
+          </p:childTnLst>
+        </p:cTn>
+      </p:par>
+    </p:tnLst>
+    <p:bldLst>
+      <p:bldP spid="3" grpId="0" build="p"/>
+    </p:bldLst>
+  </p:timing>
+</p:sld>
+</file>
+
+<file path=ppt/slides/slide14.xml><?xml version="1.0" encoding="utf-8"?>
+<p:sld xmlns:a="http://schemas.openxmlformats.org/drawingml/2006/main" xmlns:r="http://schemas.openxmlformats.org/officeDocument/2006/relationships" xmlns:p="http://schemas.openxmlformats.org/presentationml/2006/main">
+  <p:cSld>
+    <p:spTree>
+      <p:nvGrpSpPr>
+        <p:cNvPr id="1" name=""/>
+        <p:cNvGrpSpPr/>
+        <p:nvPr/>
+      </p:nvGrpSpPr>
+      <p:grpSpPr>
+        <a:xfrm>
+          <a:off x="0" y="0"/>
+          <a:ext cx="0" cy="0"/>
+          <a:chOff x="0" y="0"/>
+          <a:chExt cx="0" cy="0"/>
+        </a:xfrm>
+      </p:grpSpPr>
+      <p:sp>
+        <p:nvSpPr>
+          <p:cNvPr id="2" name="Title 1"/>
+          <p:cNvSpPr>
+            <a:spLocks noGrp="1"/>
+          </p:cNvSpPr>
+          <p:nvPr>
+            <p:ph type="title"/>
+          </p:nvPr>
+        </p:nvSpPr>
+        <p:spPr>
+          <a:xfrm>
+            <a:off x="628650" y="990600"/>
+            <a:ext cx="7886700" cy="2316163"/>
+          </a:xfrm>
+        </p:spPr>
+        <p:txBody>
+          <a:bodyPr/>
+          <a:lstStyle/>
+          <a:p>
+            <a:pPr algn="ctr"/>
+            <a:r>
+              <a:rPr lang="en-US" altLang="zh-CN" dirty="0" smtClean="0"/>
+              <a:t>Now</a:t>
+            </a:r>
+            <a:r>
+              <a:rPr lang="zh-CN" altLang="en-US" dirty="0" smtClean="0"/>
+              <a:t> </a:t>
+            </a:r>
+            <a:r>
+              <a:rPr lang="en-US" altLang="zh-CN" dirty="0" smtClean="0"/>
+              <a:t>the</a:t>
+            </a:r>
+            <a:r>
+              <a:rPr lang="zh-CN" altLang="en-US" dirty="0" smtClean="0"/>
+              <a:t> </a:t>
+            </a:r>
+            <a:r>
+              <a:rPr lang="en-US" altLang="zh-CN" dirty="0" smtClean="0"/>
+              <a:t>papers</a:t>
+            </a:r>
+            <a:r>
+              <a:rPr lang="is-IS" altLang="zh-CN" dirty="0" smtClean="0"/>
+              <a:t>…</a:t>
+            </a:r>
+            <a:endParaRPr lang="en-US" dirty="0"/>
+          </a:p>
+        </p:txBody>
+      </p:sp>
+      <p:sp>
+        <p:nvSpPr>
+          <p:cNvPr id="4" name="Slide Number Placeholder 3"/>
+          <p:cNvSpPr>
+            <a:spLocks noGrp="1"/>
+          </p:cNvSpPr>
+          <p:nvPr>
+            <p:ph type="sldNum" sz="quarter" idx="12"/>
+          </p:nvPr>
+        </p:nvSpPr>
+        <p:spPr/>
+        <p:txBody>
+          <a:bodyPr/>
+          <a:lstStyle/>
+          <a:p>
+            <a:fld id="{1C91BF9F-A6D6-9C44-9AC2-A799D1CC7BF8}" type="slidenum">
+              <a:rPr lang="en-US" smtClean="0"/>
+              <a:t>14</a:t>
+            </a:fld>
+            <a:endParaRPr lang="en-US"/>
+          </a:p>
+        </p:txBody>
+      </p:sp>
+      <p:sp>
+        <p:nvSpPr>
+          <p:cNvPr id="6" name="Content Placeholder 2"/>
+          <p:cNvSpPr>
+            <a:spLocks noGrp="1"/>
+          </p:cNvSpPr>
+          <p:nvPr>
+            <p:ph idx="1"/>
+          </p:nvPr>
+        </p:nvSpPr>
+        <p:spPr>
+          <a:xfrm>
+            <a:off x="628650" y="2819399"/>
+            <a:ext cx="8058150" cy="3357563"/>
+          </a:xfrm>
+        </p:spPr>
+        <p:txBody>
+          <a:bodyPr>
+            <a:normAutofit fontScale="92500" lnSpcReduction="10000"/>
+          </a:bodyPr>
+          <a:lstStyle/>
+          <a:p>
+            <a:r>
+              <a:rPr lang="en-US" dirty="0" smtClean="0"/>
+              <a:t>NDP, SIGCOMM’17</a:t>
+            </a:r>
+          </a:p>
+          <a:p>
+            <a:pPr lvl="1"/>
+            <a:r>
+              <a:rPr lang="en-US" dirty="0" smtClean="0"/>
+              <a:t>Best Paper Award at SIGCOMM’17</a:t>
+            </a:r>
+          </a:p>
+          <a:p>
+            <a:pPr lvl="1"/>
+            <a:r>
+              <a:rPr lang="en-US" dirty="0"/>
+              <a:t>Mark </a:t>
+            </a:r>
+            <a:r>
+              <a:rPr lang="en-US" dirty="0" smtClean="0"/>
+              <a:t>Handley</a:t>
+            </a:r>
+          </a:p>
+          <a:p>
+            <a:pPr lvl="2"/>
+            <a:r>
+              <a:rPr lang="en-US" dirty="0" smtClean="0"/>
+              <a:t>Guru in congestion control</a:t>
+            </a:r>
+          </a:p>
+          <a:p>
+            <a:pPr lvl="2"/>
+            <a:r>
+              <a:rPr lang="en-US" dirty="0" smtClean="0"/>
+              <a:t>SIGCOMM </a:t>
+            </a:r>
+            <a:r>
+              <a:rPr lang="en-US" dirty="0"/>
+              <a:t>Award for Lifetime </a:t>
+            </a:r>
+            <a:r>
+              <a:rPr lang="en-US" dirty="0" smtClean="0"/>
+              <a:t>Contribution, 2019</a:t>
+            </a:r>
+          </a:p>
+          <a:p>
+            <a:pPr lvl="2"/>
+            <a:r>
+              <a:rPr lang="en-US" dirty="0" smtClean="0"/>
+              <a:t>His talks are one of a kind</a:t>
+            </a:r>
+          </a:p>
+          <a:p>
+            <a:endParaRPr lang="en-US" dirty="0"/>
+          </a:p>
+          <a:p>
+            <a:r>
+              <a:rPr lang="en-US" dirty="0" smtClean="0"/>
+              <a:t>HPCC, SIGCOMM’19</a:t>
+            </a:r>
+          </a:p>
+          <a:p>
+            <a:pPr lvl="1"/>
+            <a:r>
+              <a:rPr lang="en-US" b="0" dirty="0" smtClean="0"/>
+              <a:t>Use new hardware features</a:t>
+            </a:r>
+            <a:endParaRPr lang="en-US" b="0" dirty="0"/>
+          </a:p>
+        </p:txBody>
+      </p:sp>
+    </p:spTree>
+    <p:extLst>
+      <p:ext uri="{BB962C8B-B14F-4D97-AF65-F5344CB8AC3E}">
+        <p14:creationId xmlns:p14="http://schemas.microsoft.com/office/powerpoint/2010/main" val="1961864869"/>
+      </p:ext>
+    </p:extLst>
+  </p:cSld>
+  <p:clrMapOvr>
+    <a:masterClrMapping/>
+  </p:clrMapOvr>
+  <p:timing>
+    <p:tnLst>
+      <p:par>
+        <p:cTn id="1" dur="indefinite" restart="never" nodeType="tmRoot"/>
+      </p:par>
+    </p:tnLst>
+  </p:timing>
+</p:sld>
+</file>
+
+<file path=ppt/slides/slide15.xml><?xml version="1.0" encoding="utf-8"?>
+<p:sld xmlns:a="http://schemas.openxmlformats.org/drawingml/2006/main" xmlns:r="http://schemas.openxmlformats.org/officeDocument/2006/relationships" xmlns:p="http://schemas.openxmlformats.org/presentationml/2006/main">
+  <p:cSld>
+    <p:spTree>
+      <p:nvGrpSpPr>
+        <p:cNvPr id="1" name=""/>
+        <p:cNvGrpSpPr/>
+        <p:nvPr/>
+      </p:nvGrpSpPr>
+      <p:grpSpPr>
+        <a:xfrm>
+          <a:off x="0" y="0"/>
+          <a:ext cx="0" cy="0"/>
+          <a:chOff x="0" y="0"/>
+          <a:chExt cx="0" cy="0"/>
+        </a:xfrm>
+      </p:grpSpPr>
+      <p:sp>
+        <p:nvSpPr>
+          <p:cNvPr id="2" name="Title 1"/>
+          <p:cNvSpPr>
+            <a:spLocks noGrp="1"/>
+          </p:cNvSpPr>
+          <p:nvPr>
+            <p:ph type="title"/>
+          </p:nvPr>
+        </p:nvSpPr>
+        <p:spPr/>
+        <p:txBody>
+          <a:bodyPr/>
+          <a:lstStyle/>
+          <a:p>
+            <a:r>
+              <a:rPr lang="en-US" dirty="0" smtClean="0"/>
+              <a:t>Discussion</a:t>
+            </a:r>
+            <a:endParaRPr lang="en-US" dirty="0"/>
+          </a:p>
+        </p:txBody>
+      </p:sp>
+      <p:sp>
+        <p:nvSpPr>
+          <p:cNvPr id="3" name="Content Placeholder 2"/>
+          <p:cNvSpPr>
+            <a:spLocks noGrp="1"/>
+          </p:cNvSpPr>
+          <p:nvPr>
+            <p:ph idx="1"/>
+          </p:nvPr>
+        </p:nvSpPr>
+        <p:spPr/>
+        <p:txBody>
+          <a:bodyPr/>
+          <a:lstStyle/>
+          <a:p>
+            <a:r>
+              <a:rPr lang="en-US" dirty="0"/>
+              <a:t>How to compare the two papers, i.e., their pros and cons?</a:t>
+            </a:r>
+          </a:p>
+          <a:p>
+            <a:endParaRPr lang="en-US" dirty="0"/>
+          </a:p>
+          <a:p>
+            <a:r>
+              <a:rPr lang="en-US" dirty="0" smtClean="0"/>
+              <a:t>What is the ultimate answer for congestion control?</a:t>
+            </a:r>
+            <a:endParaRPr lang="en-US" dirty="0"/>
+          </a:p>
+        </p:txBody>
+      </p:sp>
+      <p:sp>
+        <p:nvSpPr>
+          <p:cNvPr id="4" name="Slide Number Placeholder 3"/>
+          <p:cNvSpPr>
+            <a:spLocks noGrp="1"/>
+          </p:cNvSpPr>
+          <p:nvPr>
+            <p:ph type="sldNum" sz="quarter" idx="12"/>
+          </p:nvPr>
+        </p:nvSpPr>
+        <p:spPr/>
+        <p:txBody>
+          <a:bodyPr/>
+          <a:lstStyle/>
+          <a:p>
+            <a:fld id="{1C91BF9F-A6D6-9C44-9AC2-A799D1CC7BF8}" type="slidenum">
+              <a:rPr lang="en-US" smtClean="0"/>
+              <a:t>15</a:t>
+            </a:fld>
+            <a:endParaRPr lang="en-US"/>
+          </a:p>
+        </p:txBody>
+      </p:sp>
+    </p:spTree>
+    <p:extLst>
+      <p:ext uri="{BB962C8B-B14F-4D97-AF65-F5344CB8AC3E}">
+        <p14:creationId xmlns:p14="http://schemas.microsoft.com/office/powerpoint/2010/main" val="1399393975"/>
+      </p:ext>
+    </p:extLst>
+  </p:cSld>
+  <p:clrMapOvr>
+    <a:masterClrMapping/>
+  </p:clrMapOvr>
+  <p:timing>
+    <p:tnLst>
+      <p:par>
+        <p:cTn id="1" dur="indefinite" restart="never" nodeType="tmRoot">
+          <p:childTnLst>
+            <p:seq concurrent="1" nextAc="seek">
+              <p:cTn id="2" dur="indefinite" nodeType="mainSeq">
+                <p:childTnLst>
+                  <p:par>
+                    <p:cTn id="3" fill="hold">
+                      <p:stCondLst>
+                        <p:cond delay="indefinite"/>
+                      </p:stCondLst>
+                      <p:childTnLst>
+                        <p:par>
+                          <p:cTn id="4" fill="hold">
+                            <p:stCondLst>
+                              <p:cond delay="0"/>
+                            </p:stCondLst>
+                            <p:childTnLst>
+                              <p:par>
+                                <p:cTn id="5" presetID="1" presetClass="entr" presetSubtype="0" fill="hold" grpId="0" nodeType="clickEffect">
+                                  <p:stCondLst>
+                                    <p:cond delay="0"/>
+                                  </p:stCondLst>
+                                  <p:childTnLst>
+                                    <p:set>
+                                      <p:cBhvr>
+                                        <p:cTn id="6" dur="1" fill="hold">
+                                          <p:stCondLst>
+                                            <p:cond delay="0"/>
+                                          </p:stCondLst>
+                                        </p:cTn>
+                                        <p:tgtEl>
+                                          <p:spTgt spid="3">
+                                            <p:txEl>
+                                              <p:pRg st="2" end="2"/>
+                                            </p:txEl>
+                                          </p:spTgt>
+                                        </p:tgtEl>
+                                        <p:attrNameLst>
+                                          <p:attrName>style.visibility</p:attrName>
+                                        </p:attrNameLst>
+                                      </p:cBhvr>
+                                      <p:to>
+                                        <p:strVal val="visible"/>
+                                      </p:to>
+                                    </p:set>
+                                  </p:childTnLst>
+                                </p:cTn>
+                              </p:par>
+                            </p:childTnLst>
+                          </p:cTn>
+                        </p:par>
+                      </p:childTnLst>
+                    </p:cTn>
+                  </p:par>
+                </p:childTnLst>
+              </p:cTn>
+              <p:prevCondLst>
+                <p:cond evt="onPrev" delay="0">
+                  <p:tgtEl>
+                    <p:sldTgt/>
+                  </p:tgtEl>
+                </p:cond>
+              </p:prevCondLst>
+              <p:nextCondLst>
+                <p:cond evt="onNext" delay="0">
+                  <p:tgtEl>
+                    <p:sldTgt/>
+                  </p:tgtEl>
+                </p:cond>
+              </p:nextCondLst>
+            </p:seq>
+          </p:childTnLst>
+        </p:cTn>
+      </p:par>
+    </p:tnLst>
+    <p:bldLst>
+      <p:bldP spid="3" grpId="0" build="p"/>
+    </p:bldLst>
+  </p:timing>
+</p:sld>
+</file>
+
+<file path=ppt/slides/slide16.xml><?xml version="1.0" encoding="utf-8"?>
+<p:sld xmlns:a="http://schemas.openxmlformats.org/drawingml/2006/main" xmlns:r="http://schemas.openxmlformats.org/officeDocument/2006/relationships" xmlns:p="http://schemas.openxmlformats.org/presentationml/2006/main">
+  <p:cSld>
+    <p:spTree>
+      <p:nvGrpSpPr>
+        <p:cNvPr id="1" name=""/>
+        <p:cNvGrpSpPr/>
+        <p:nvPr/>
+      </p:nvGrpSpPr>
+      <p:grpSpPr>
+        <a:xfrm>
+          <a:off x="0" y="0"/>
+          <a:ext cx="0" cy="0"/>
+          <a:chOff x="0" y="0"/>
+          <a:chExt cx="0" cy="0"/>
+        </a:xfrm>
+      </p:grpSpPr>
+      <p:sp>
+        <p:nvSpPr>
+          <p:cNvPr id="2" name="Title 1"/>
+          <p:cNvSpPr>
+            <a:spLocks noGrp="1"/>
+          </p:cNvSpPr>
+          <p:nvPr>
+            <p:ph type="title"/>
+          </p:nvPr>
+        </p:nvSpPr>
+        <p:spPr/>
+        <p:txBody>
+          <a:bodyPr/>
+          <a:lstStyle/>
+          <a:p>
+            <a:r>
+              <a:rPr lang="en-US" smtClean="0"/>
+              <a:t>Assignment 2 </a:t>
+            </a:r>
+            <a:r>
+              <a:rPr lang="en-US" dirty="0" smtClean="0"/>
+              <a:t>is out</a:t>
+            </a:r>
+            <a:endParaRPr lang="en-US" dirty="0"/>
+          </a:p>
+        </p:txBody>
+      </p:sp>
+      <p:sp>
+        <p:nvSpPr>
+          <p:cNvPr id="3" name="Content Placeholder 2"/>
+          <p:cNvSpPr>
+            <a:spLocks noGrp="1"/>
+          </p:cNvSpPr>
+          <p:nvPr>
+            <p:ph idx="1"/>
+          </p:nvPr>
+        </p:nvSpPr>
+        <p:spPr/>
+        <p:txBody>
+          <a:bodyPr/>
+          <a:lstStyle/>
+          <a:p>
+            <a:r>
+              <a:rPr lang="en-US" b="0" dirty="0"/>
+              <a:t>Use P4 and </a:t>
+            </a:r>
+            <a:r>
+              <a:rPr lang="en-US" b="0" dirty="0" err="1"/>
+              <a:t>Mininet</a:t>
+            </a:r>
+            <a:r>
+              <a:rPr lang="en-US" b="0" dirty="0"/>
+              <a:t> to design network features.</a:t>
+            </a:r>
+            <a:endParaRPr lang="en-US" dirty="0"/>
+          </a:p>
+        </p:txBody>
+      </p:sp>
+      <p:sp>
+        <p:nvSpPr>
+          <p:cNvPr id="4" name="Slide Number Placeholder 3"/>
+          <p:cNvSpPr>
+            <a:spLocks noGrp="1"/>
+          </p:cNvSpPr>
+          <p:nvPr>
+            <p:ph type="sldNum" sz="quarter" idx="12"/>
+          </p:nvPr>
+        </p:nvSpPr>
+        <p:spPr/>
+        <p:txBody>
+          <a:bodyPr/>
+          <a:lstStyle/>
+          <a:p>
+            <a:fld id="{1C91BF9F-A6D6-9C44-9AC2-A799D1CC7BF8}" type="slidenum">
+              <a:rPr lang="en-US" smtClean="0"/>
+              <a:t>16</a:t>
+            </a:fld>
+            <a:endParaRPr lang="en-US"/>
+          </a:p>
+        </p:txBody>
+      </p:sp>
+    </p:spTree>
+    <p:extLst>
+      <p:ext uri="{BB962C8B-B14F-4D97-AF65-F5344CB8AC3E}">
+        <p14:creationId xmlns:p14="http://schemas.microsoft.com/office/powerpoint/2010/main" val="508645269"/>
+      </p:ext>
+    </p:extLst>
+  </p:cSld>
+  <p:clrMapOvr>
+    <a:masterClrMapping/>
+  </p:clrMapOvr>
+</p:sld>
+</file>
+
+<file path=ppt/slides/slide17.xml><?xml version="1.0" encoding="utf-8"?>
+<p:sld xmlns:a="http://schemas.openxmlformats.org/drawingml/2006/main" xmlns:r="http://schemas.openxmlformats.org/officeDocument/2006/relationships" xmlns:p="http://schemas.openxmlformats.org/presentationml/2006/main">
+  <p:cSld>
+    <p:spTree>
+      <p:nvGrpSpPr>
+        <p:cNvPr id="1" name=""/>
+        <p:cNvGrpSpPr/>
+        <p:nvPr/>
+      </p:nvGrpSpPr>
+      <p:grpSpPr>
+        <a:xfrm>
+          <a:off x="0" y="0"/>
+          <a:ext cx="0" cy="0"/>
+          <a:chOff x="0" y="0"/>
+          <a:chExt cx="0" cy="0"/>
+        </a:xfrm>
+      </p:grpSpPr>
+      <p:sp>
+        <p:nvSpPr>
+          <p:cNvPr id="2" name="Title 1"/>
+          <p:cNvSpPr>
+            <a:spLocks noGrp="1"/>
+          </p:cNvSpPr>
+          <p:nvPr>
+            <p:ph type="title"/>
+          </p:nvPr>
+        </p:nvSpPr>
+        <p:spPr>
+          <a:xfrm>
+            <a:off x="628650" y="990600"/>
+            <a:ext cx="7886700" cy="2316163"/>
+          </a:xfrm>
+        </p:spPr>
+        <p:txBody>
+          <a:bodyPr/>
+          <a:lstStyle/>
+          <a:p>
+            <a:pPr algn="ctr"/>
+            <a:r>
+              <a:rPr lang="en-US" altLang="zh-CN" dirty="0" smtClean="0"/>
+              <a:t>Now</a:t>
+            </a:r>
+            <a:r>
+              <a:rPr lang="zh-CN" altLang="en-US" dirty="0" smtClean="0"/>
+              <a:t> </a:t>
+            </a:r>
+            <a:r>
+              <a:rPr lang="en-US" altLang="zh-CN" dirty="0" smtClean="0"/>
+              <a:t>the</a:t>
+            </a:r>
+            <a:r>
+              <a:rPr lang="zh-CN" altLang="en-US" dirty="0" smtClean="0"/>
+              <a:t> </a:t>
+            </a:r>
+            <a:r>
+              <a:rPr lang="en-US" altLang="zh-CN" dirty="0" smtClean="0"/>
+              <a:t>papers</a:t>
+            </a:r>
+            <a:r>
+              <a:rPr lang="is-IS" altLang="zh-CN" dirty="0" smtClean="0"/>
+              <a:t>…</a:t>
+            </a:r>
+            <a:endParaRPr lang="en-US" dirty="0"/>
+          </a:p>
+        </p:txBody>
+      </p:sp>
+      <p:sp>
+        <p:nvSpPr>
+          <p:cNvPr id="4" name="Slide Number Placeholder 3"/>
+          <p:cNvSpPr>
+            <a:spLocks noGrp="1"/>
+          </p:cNvSpPr>
+          <p:nvPr>
+            <p:ph type="sldNum" sz="quarter" idx="12"/>
+          </p:nvPr>
+        </p:nvSpPr>
+        <p:spPr/>
+        <p:txBody>
+          <a:bodyPr/>
+          <a:lstStyle/>
+          <a:p>
+            <a:fld id="{1C91BF9F-A6D6-9C44-9AC2-A799D1CC7BF8}" type="slidenum">
+              <a:rPr lang="en-US" smtClean="0"/>
+              <a:t>17</a:t>
+            </a:fld>
+            <a:endParaRPr lang="en-US"/>
+          </a:p>
+        </p:txBody>
+      </p:sp>
+      <p:sp>
+        <p:nvSpPr>
+          <p:cNvPr id="6" name="Content Placeholder 2"/>
+          <p:cNvSpPr>
+            <a:spLocks noGrp="1"/>
+          </p:cNvSpPr>
+          <p:nvPr>
+            <p:ph idx="1"/>
+          </p:nvPr>
+        </p:nvSpPr>
+        <p:spPr>
+          <a:xfrm>
+            <a:off x="628650" y="2819399"/>
+            <a:ext cx="8058150" cy="3357563"/>
+          </a:xfrm>
+        </p:spPr>
+        <p:txBody>
+          <a:bodyPr>
+            <a:normAutofit/>
+          </a:bodyPr>
+          <a:lstStyle/>
+          <a:p>
+            <a:r>
+              <a:rPr lang="en-US" dirty="0" err="1" smtClean="0"/>
+              <a:t>InfiniSwap</a:t>
+            </a:r>
+            <a:r>
+              <a:rPr lang="en-US" dirty="0" smtClean="0"/>
+              <a:t>, NSDI’17</a:t>
+            </a:r>
+          </a:p>
+          <a:p>
+            <a:pPr lvl="1"/>
+            <a:r>
+              <a:rPr lang="en-US" dirty="0" smtClean="0"/>
+              <a:t>Remote memory paging on RDMA networks</a:t>
+            </a:r>
+          </a:p>
+          <a:p>
+            <a:pPr lvl="1"/>
+            <a:r>
+              <a:rPr lang="en-US" dirty="0" smtClean="0"/>
+              <a:t>Enable memory sharing across servers</a:t>
+            </a:r>
+          </a:p>
+          <a:p>
+            <a:endParaRPr lang="en-US" dirty="0"/>
+          </a:p>
+          <a:p>
+            <a:r>
+              <a:rPr lang="en-US" dirty="0" err="1" smtClean="0"/>
+              <a:t>LegoOS</a:t>
+            </a:r>
+            <a:r>
+              <a:rPr lang="en-US" dirty="0" smtClean="0"/>
+              <a:t>, OSDI’18</a:t>
+            </a:r>
+          </a:p>
+          <a:p>
+            <a:pPr lvl="1"/>
+            <a:r>
+              <a:rPr lang="en-US" b="0" dirty="0" smtClean="0"/>
+              <a:t>Best Paper Award at OSDI’18</a:t>
+            </a:r>
+          </a:p>
+          <a:p>
+            <a:pPr lvl="1"/>
+            <a:r>
+              <a:rPr lang="en-US" dirty="0" smtClean="0"/>
+              <a:t>Build OS for resource disaggregation</a:t>
+            </a:r>
+            <a:endParaRPr lang="en-US" b="0" dirty="0"/>
+          </a:p>
+        </p:txBody>
+      </p:sp>
+    </p:spTree>
+    <p:extLst>
+      <p:ext uri="{BB962C8B-B14F-4D97-AF65-F5344CB8AC3E}">
+        <p14:creationId xmlns:p14="http://schemas.microsoft.com/office/powerpoint/2010/main" val="1463183339"/>
+      </p:ext>
+    </p:extLst>
+  </p:cSld>
+  <p:clrMapOvr>
+    <a:masterClrMapping/>
+  </p:clrMapOvr>
+  <p:timing>
+    <p:tnLst>
+      <p:par>
+        <p:cTn id="1" dur="indefinite" restart="never" nodeType="tmRoot"/>
+      </p:par>
+    </p:tnLst>
+  </p:timing>
+</p:sld>
+</file>
+
+<file path=ppt/slides/slide18.xml><?xml version="1.0" encoding="utf-8"?>
+<p:sld xmlns:a="http://schemas.openxmlformats.org/drawingml/2006/main" xmlns:r="http://schemas.openxmlformats.org/officeDocument/2006/relationships" xmlns:p="http://schemas.openxmlformats.org/presentationml/2006/main">
+  <p:cSld>
+    <p:spTree>
+      <p:nvGrpSpPr>
+        <p:cNvPr id="1" name=""/>
+        <p:cNvGrpSpPr/>
+        <p:nvPr/>
+      </p:nvGrpSpPr>
+      <p:grpSpPr>
+        <a:xfrm>
+          <a:off x="0" y="0"/>
+          <a:ext cx="0" cy="0"/>
+          <a:chOff x="0" y="0"/>
+          <a:chExt cx="0" cy="0"/>
+        </a:xfrm>
+      </p:grpSpPr>
+      <p:sp>
+        <p:nvSpPr>
+          <p:cNvPr id="2" name="Title 1"/>
+          <p:cNvSpPr>
+            <a:spLocks noGrp="1"/>
+          </p:cNvSpPr>
+          <p:nvPr>
+            <p:ph type="title"/>
+          </p:nvPr>
+        </p:nvSpPr>
+        <p:spPr/>
+        <p:txBody>
+          <a:bodyPr/>
+          <a:lstStyle/>
+          <a:p>
+            <a:r>
+              <a:rPr lang="en-US" dirty="0" smtClean="0"/>
+              <a:t>Discussion</a:t>
+            </a:r>
+            <a:endParaRPr lang="en-US" dirty="0"/>
+          </a:p>
+        </p:txBody>
+      </p:sp>
+      <p:sp>
+        <p:nvSpPr>
+          <p:cNvPr id="3" name="Content Placeholder 2"/>
+          <p:cNvSpPr>
+            <a:spLocks noGrp="1"/>
+          </p:cNvSpPr>
+          <p:nvPr>
+            <p:ph idx="1"/>
+          </p:nvPr>
+        </p:nvSpPr>
+        <p:spPr/>
+        <p:txBody>
+          <a:bodyPr/>
+          <a:lstStyle/>
+          <a:p>
+            <a:r>
+              <a:rPr lang="en-US" dirty="0"/>
+              <a:t>How to compare the two papers, i.e., their pros and cons?</a:t>
+            </a:r>
+          </a:p>
+          <a:p>
+            <a:endParaRPr lang="en-US" dirty="0"/>
+          </a:p>
+          <a:p>
+            <a:r>
+              <a:rPr lang="en-US" dirty="0" smtClean="0"/>
+              <a:t>What are the principles to design systems for resource disaggregation?</a:t>
+            </a:r>
+            <a:endParaRPr lang="en-US" dirty="0"/>
+          </a:p>
+        </p:txBody>
+      </p:sp>
+      <p:sp>
+        <p:nvSpPr>
+          <p:cNvPr id="4" name="Slide Number Placeholder 3"/>
+          <p:cNvSpPr>
+            <a:spLocks noGrp="1"/>
+          </p:cNvSpPr>
+          <p:nvPr>
+            <p:ph type="sldNum" sz="quarter" idx="12"/>
+          </p:nvPr>
+        </p:nvSpPr>
+        <p:spPr/>
+        <p:txBody>
+          <a:bodyPr/>
+          <a:lstStyle/>
+          <a:p>
+            <a:fld id="{1C91BF9F-A6D6-9C44-9AC2-A799D1CC7BF8}" type="slidenum">
+              <a:rPr lang="en-US" smtClean="0"/>
+              <a:t>18</a:t>
+            </a:fld>
+            <a:endParaRPr lang="en-US"/>
+          </a:p>
+        </p:txBody>
+      </p:sp>
+    </p:spTree>
+    <p:extLst>
+      <p:ext uri="{BB962C8B-B14F-4D97-AF65-F5344CB8AC3E}">
+        <p14:creationId xmlns:p14="http://schemas.microsoft.com/office/powerpoint/2010/main" val="388376386"/>
+      </p:ext>
+    </p:extLst>
+  </p:cSld>
+  <p:clrMapOvr>
+    <a:masterClrMapping/>
+  </p:clrMapOvr>
+  <p:timing>
+    <p:tnLst>
+      <p:par>
+        <p:cTn id="1" dur="indefinite" restart="never" nodeType="tmRoot">
+          <p:childTnLst>
+            <p:seq concurrent="1" nextAc="seek">
+              <p:cTn id="2" dur="indefinite" nodeType="mainSeq">
+                <p:childTnLst>
+                  <p:par>
+                    <p:cTn id="3" fill="hold">
+                      <p:stCondLst>
+                        <p:cond delay="indefinite"/>
+                      </p:stCondLst>
+                      <p:childTnLst>
+                        <p:par>
+                          <p:cTn id="4" fill="hold">
+                            <p:stCondLst>
+                              <p:cond delay="0"/>
+                            </p:stCondLst>
+                            <p:childTnLst>
+                              <p:par>
+                                <p:cTn id="5" presetID="1" presetClass="entr" presetSubtype="0" fill="hold" grpId="0" nodeType="clickEffect">
+                                  <p:stCondLst>
+                                    <p:cond delay="0"/>
+                                  </p:stCondLst>
+                                  <p:childTnLst>
+                                    <p:set>
+                                      <p:cBhvr>
+                                        <p:cTn id="6" dur="1" fill="hold">
+                                          <p:stCondLst>
+                                            <p:cond delay="0"/>
+                                          </p:stCondLst>
+                                        </p:cTn>
+                                        <p:tgtEl>
+                                          <p:spTgt spid="3">
+                                            <p:txEl>
+                                              <p:pRg st="2" end="2"/>
+                                            </p:txEl>
+                                          </p:spTgt>
+                                        </p:tgtEl>
+                                        <p:attrNameLst>
+                                          <p:attrName>style.visibility</p:attrName>
+                                        </p:attrNameLst>
+                                      </p:cBhvr>
+                                      <p:to>
+                                        <p:strVal val="visible"/>
+                                      </p:to>
+                                    </p:set>
+                                  </p:childTnLst>
+                                </p:cTn>
+                              </p:par>
+                            </p:childTnLst>
+                          </p:cTn>
+                        </p:par>
+                      </p:childTnLst>
+                    </p:cTn>
+                  </p:par>
+                </p:childTnLst>
+              </p:cTn>
+              <p:prevCondLst>
+                <p:cond evt="onPrev" delay="0">
+                  <p:tgtEl>
+                    <p:sldTgt/>
+                  </p:tgtEl>
+                </p:cond>
+              </p:prevCondLst>
+              <p:nextCondLst>
+                <p:cond evt="onNext" delay="0">
+                  <p:tgtEl>
+                    <p:sldTgt/>
+                  </p:tgtEl>
+                </p:cond>
+              </p:nextCondLst>
+            </p:seq>
+          </p:childTnLst>
+        </p:cTn>
+      </p:par>
+    </p:tnLst>
+    <p:bldLst>
+      <p:bldP spid="3" grpId="0" build="p"/>
+    </p:bldLst>
+  </p:timing>
+</p:sld>
+</file>
+
+<file path=ppt/slides/slide19.xml><?xml version="1.0" encoding="utf-8"?>
+<p:sld xmlns:a="http://schemas.openxmlformats.org/drawingml/2006/main" xmlns:r="http://schemas.openxmlformats.org/officeDocument/2006/relationships" xmlns:p="http://schemas.openxmlformats.org/presentationml/2006/main">
+  <p:cSld>
+    <p:spTree>
+      <p:nvGrpSpPr>
+        <p:cNvPr id="1" name=""/>
+        <p:cNvGrpSpPr/>
+        <p:nvPr/>
+      </p:nvGrpSpPr>
+      <p:grpSpPr>
+        <a:xfrm>
+          <a:off x="0" y="0"/>
+          <a:ext cx="0" cy="0"/>
+          <a:chOff x="0" y="0"/>
+          <a:chExt cx="0" cy="0"/>
+        </a:xfrm>
+      </p:grpSpPr>
+      <p:sp>
+        <p:nvSpPr>
+          <p:cNvPr id="2" name="Title 1"/>
+          <p:cNvSpPr>
+            <a:spLocks noGrp="1"/>
+          </p:cNvSpPr>
+          <p:nvPr>
+            <p:ph type="title"/>
+          </p:nvPr>
+        </p:nvSpPr>
+        <p:spPr/>
+        <p:txBody>
+          <a:bodyPr/>
+          <a:lstStyle/>
+          <a:p>
+            <a:r>
+              <a:rPr lang="en-US" dirty="0" smtClean="0"/>
+              <a:t>Summary</a:t>
+            </a:r>
+            <a:endParaRPr lang="en-US" dirty="0"/>
+          </a:p>
+        </p:txBody>
+      </p:sp>
+      <p:sp>
+        <p:nvSpPr>
+          <p:cNvPr id="3" name="Content Placeholder 2"/>
+          <p:cNvSpPr>
+            <a:spLocks noGrp="1"/>
+          </p:cNvSpPr>
+          <p:nvPr>
+            <p:ph idx="1"/>
+          </p:nvPr>
+        </p:nvSpPr>
+        <p:spPr/>
+        <p:txBody>
+          <a:bodyPr>
+            <a:normAutofit fontScale="92500" lnSpcReduction="10000"/>
+          </a:bodyPr>
+          <a:lstStyle/>
+          <a:p>
+            <a:r>
+              <a:rPr lang="en-US" dirty="0" smtClean="0"/>
+              <a:t>Datacenter architecture</a:t>
+            </a:r>
+          </a:p>
+          <a:p>
+            <a:pPr lvl="1"/>
+            <a:r>
+              <a:rPr lang="en-US" dirty="0"/>
+              <a:t>Merchant </a:t>
+            </a:r>
+            <a:r>
+              <a:rPr lang="en-US" dirty="0" smtClean="0"/>
+              <a:t>silicon, CLOS topology, </a:t>
+            </a:r>
+            <a:r>
+              <a:rPr lang="en-US" dirty="0"/>
+              <a:t>c</a:t>
+            </a:r>
+            <a:r>
+              <a:rPr lang="en-US" dirty="0" smtClean="0"/>
+              <a:t>entralized </a:t>
+            </a:r>
+            <a:r>
+              <a:rPr lang="en-US" dirty="0"/>
+              <a:t>control</a:t>
+            </a:r>
+          </a:p>
+          <a:p>
+            <a:r>
+              <a:rPr lang="en-US" dirty="0" smtClean="0"/>
+              <a:t>Optical datacenters</a:t>
+            </a:r>
+          </a:p>
+          <a:p>
+            <a:pPr lvl="1"/>
+            <a:r>
+              <a:rPr lang="en-US" dirty="0" smtClean="0"/>
+              <a:t>Leverage reconfigurable optical devices to create dynamic links based on traffic demand</a:t>
+            </a:r>
+          </a:p>
+          <a:p>
+            <a:pPr lvl="1"/>
+            <a:r>
+              <a:rPr lang="en-US" dirty="0" smtClean="0"/>
+              <a:t>Interesting read: </a:t>
+            </a:r>
+            <a:r>
+              <a:rPr lang="en-US" dirty="0"/>
+              <a:t>Beyond fat-trees without antennae, mirrors, and </a:t>
+            </a:r>
+            <a:r>
+              <a:rPr lang="en-US" dirty="0" smtClean="0"/>
+              <a:t>disco-balls</a:t>
+            </a:r>
+          </a:p>
+          <a:p>
+            <a:r>
+              <a:rPr lang="en-US" dirty="0" smtClean="0"/>
+              <a:t>Congestion control</a:t>
+            </a:r>
+          </a:p>
+          <a:p>
+            <a:pPr lvl="1"/>
+            <a:r>
+              <a:rPr lang="en-US" dirty="0" smtClean="0"/>
+              <a:t>Exploit different design points in the design space</a:t>
+            </a:r>
+          </a:p>
+          <a:p>
+            <a:r>
+              <a:rPr lang="en-US" dirty="0" smtClean="0"/>
+              <a:t>Disaggregated datacenters</a:t>
+            </a:r>
+          </a:p>
+          <a:p>
+            <a:pPr lvl="1"/>
+            <a:r>
+              <a:rPr lang="en-US" dirty="0" smtClean="0"/>
+              <a:t>Disaggregate compute, memory and storage for </a:t>
+            </a:r>
+            <a:r>
+              <a:rPr lang="en-US" dirty="0" err="1" smtClean="0"/>
+              <a:t>flexiblity</a:t>
+            </a:r>
+            <a:r>
+              <a:rPr lang="en-US" dirty="0" smtClean="0"/>
+              <a:t>, elasticity and utilization</a:t>
+            </a:r>
+          </a:p>
+        </p:txBody>
+      </p:sp>
+      <p:sp>
+        <p:nvSpPr>
+          <p:cNvPr id="4" name="Slide Number Placeholder 3"/>
+          <p:cNvSpPr>
+            <a:spLocks noGrp="1"/>
+          </p:cNvSpPr>
+          <p:nvPr>
+            <p:ph type="sldNum" sz="quarter" idx="12"/>
+          </p:nvPr>
+        </p:nvSpPr>
+        <p:spPr/>
+        <p:txBody>
+          <a:bodyPr/>
+          <a:lstStyle/>
+          <a:p>
+            <a:fld id="{1C91BF9F-A6D6-9C44-9AC2-A799D1CC7BF8}" type="slidenum">
+              <a:rPr lang="en-US" smtClean="0"/>
+              <a:t>19</a:t>
+            </a:fld>
+            <a:endParaRPr lang="en-US"/>
+          </a:p>
+        </p:txBody>
+      </p:sp>
+    </p:spTree>
+    <p:extLst>
+      <p:ext uri="{BB962C8B-B14F-4D97-AF65-F5344CB8AC3E}">
+        <p14:creationId xmlns:p14="http://schemas.microsoft.com/office/powerpoint/2010/main" val="1559936228"/>
+      </p:ext>
+    </p:extLst>
+  </p:cSld>
+  <p:clrMapOvr>
+    <a:masterClrMapping/>
+  </p:clrMapOvr>
 </p:sld>
 </file>
 
@@ -4639,6 +6037,102 @@
     <p:extLst>
       <p:ext uri="{BB962C8B-B14F-4D97-AF65-F5344CB8AC3E}">
         <p14:creationId xmlns:p14="http://schemas.microsoft.com/office/powerpoint/2010/main" val="488629011"/>
+      </p:ext>
+    </p:extLst>
+  </p:cSld>
+  <p:clrMapOvr>
+    <a:masterClrMapping/>
+  </p:clrMapOvr>
+  <p:timing>
+    <p:tnLst>
+      <p:par>
+        <p:cTn id="1" dur="indefinite" restart="never" nodeType="tmRoot"/>
+      </p:par>
+    </p:tnLst>
+  </p:timing>
+</p:sld>
+</file>
+
+<file path=ppt/slides/slide20.xml><?xml version="1.0" encoding="utf-8"?>
+<p:sld xmlns:a="http://schemas.openxmlformats.org/drawingml/2006/main" xmlns:r="http://schemas.openxmlformats.org/officeDocument/2006/relationships" xmlns:p="http://schemas.openxmlformats.org/presentationml/2006/main">
+  <p:cSld>
+    <p:spTree>
+      <p:nvGrpSpPr>
+        <p:cNvPr id="1" name=""/>
+        <p:cNvGrpSpPr/>
+        <p:nvPr/>
+      </p:nvGrpSpPr>
+      <p:grpSpPr>
+        <a:xfrm>
+          <a:off x="0" y="0"/>
+          <a:ext cx="0" cy="0"/>
+          <a:chOff x="0" y="0"/>
+          <a:chExt cx="0" cy="0"/>
+        </a:xfrm>
+      </p:grpSpPr>
+      <p:sp>
+        <p:nvSpPr>
+          <p:cNvPr id="2" name="Title 1"/>
+          <p:cNvSpPr>
+            <a:spLocks noGrp="1"/>
+          </p:cNvSpPr>
+          <p:nvPr>
+            <p:ph type="title"/>
+          </p:nvPr>
+        </p:nvSpPr>
+        <p:spPr>
+          <a:xfrm>
+            <a:off x="628650" y="2179637"/>
+            <a:ext cx="7886700" cy="2316163"/>
+          </a:xfrm>
+        </p:spPr>
+        <p:txBody>
+          <a:bodyPr/>
+          <a:lstStyle/>
+          <a:p>
+            <a:pPr algn="ctr"/>
+            <a:r>
+              <a:rPr lang="en-US" smtClean="0"/>
+              <a:t>Thanks!</a:t>
+            </a:r>
+            <a:br>
+              <a:rPr lang="en-US" smtClean="0"/>
+            </a:br>
+            <a:r>
+              <a:rPr lang="en-US" dirty="0" smtClean="0"/>
+              <a:t>Q&amp;A</a:t>
+            </a:r>
+            <a:endParaRPr lang="en-US" dirty="0"/>
+          </a:p>
+        </p:txBody>
+      </p:sp>
+      <p:sp>
+        <p:nvSpPr>
+          <p:cNvPr id="4" name="Slide Number Placeholder 3"/>
+          <p:cNvSpPr>
+            <a:spLocks noGrp="1"/>
+          </p:cNvSpPr>
+          <p:nvPr>
+            <p:ph type="sldNum" sz="quarter" idx="12"/>
+          </p:nvPr>
+        </p:nvSpPr>
+        <p:spPr/>
+        <p:txBody>
+          <a:bodyPr/>
+          <a:lstStyle/>
+          <a:p>
+            <a:fld id="{1C91BF9F-A6D6-9C44-9AC2-A799D1CC7BF8}" type="slidenum">
+              <a:rPr lang="en-US" smtClean="0"/>
+              <a:t>20</a:t>
+            </a:fld>
+            <a:endParaRPr lang="en-US"/>
+          </a:p>
+        </p:txBody>
+      </p:sp>
+    </p:spTree>
+    <p:extLst>
+      <p:ext uri="{BB962C8B-B14F-4D97-AF65-F5344CB8AC3E}">
+        <p14:creationId xmlns:p14="http://schemas.microsoft.com/office/powerpoint/2010/main" val="1868794264"/>
       </p:ext>
     </p:extLst>
   </p:cSld>
@@ -6336,11 +7830,7 @@
           <a:p>
             <a:r>
               <a:rPr lang="en-US" dirty="0" smtClean="0"/>
-              <a:t>VL2, </a:t>
-            </a:r>
-            <a:r>
-              <a:rPr lang="en-US" dirty="0" smtClean="0"/>
-              <a:t>SIGCOMM’09: </a:t>
+              <a:t>VL2, SIGCOMM’09: </a:t>
             </a:r>
             <a:r>
               <a:rPr lang="en-US" b="0" dirty="0" smtClean="0"/>
